--- a/ppts/Fundamentals of AI.pptx
+++ b/ppts/Fundamentals of AI.pptx
@@ -32,10 +32,8 @@
     <p:sldId id="285" r:id="rId26"/>
     <p:sldId id="286" r:id="rId27"/>
     <p:sldId id="287" r:id="rId28"/>
-    <p:sldId id="288" r:id="rId29"/>
-    <p:sldId id="289" r:id="rId30"/>
-    <p:sldId id="290" r:id="rId31"/>
-    <p:sldId id="291" r:id="rId32"/>
+    <p:sldId id="289" r:id="rId29"/>
+    <p:sldId id="291" r:id="rId30"/>
   </p:sldIdLst>
   <p:sldSz cx="12192000" cy="6858000"/>
   <p:notesSz cx="6858000" cy="9144000"/>
@@ -134,6 +132,11 @@
       </a:defRPr>
     </a:lvl9pPr>
   </p:defaultTextStyle>
+  <p:extLst>
+    <p:ext uri="{EFAFB233-063F-42B5-8137-9DF3F51BA10A}">
+      <p15:sldGuideLst xmlns:p15="http://schemas.microsoft.com/office/powerpoint/2012/main"/>
+    </p:ext>
+  </p:extLst>
 </p:presentation>
 </file>
 
@@ -179,10 +182,9 @@
           </a:lstStyle>
           <a:p>
             <a:r>
-              <a:rPr lang="en-US" smtClean="0"/>
+              <a:rPr lang="en-US"/>
               <a:t>Click to edit Master title style</a:t>
             </a:r>
-            <a:endParaRPr lang="en-US"/>
           </a:p>
         </p:txBody>
       </p:sp>
@@ -244,10 +246,9 @@
           </a:lstStyle>
           <a:p>
             <a:r>
-              <a:rPr lang="en-US" smtClean="0"/>
+              <a:rPr lang="en-US"/>
               <a:t>Click to edit Master subtitle style</a:t>
             </a:r>
-            <a:endParaRPr lang="en-US"/>
           </a:p>
         </p:txBody>
       </p:sp>
@@ -362,10 +363,9 @@
           <a:lstStyle/>
           <a:p>
             <a:r>
-              <a:rPr lang="en-US" smtClean="0"/>
+              <a:rPr lang="en-US"/>
               <a:t>Click to edit Master title style</a:t>
             </a:r>
-            <a:endParaRPr lang="en-US"/>
           </a:p>
         </p:txBody>
       </p:sp>
@@ -386,38 +386,37 @@
           <a:p>
             <a:pPr lvl="0"/>
             <a:r>
-              <a:rPr lang="en-US" smtClean="0"/>
+              <a:rPr lang="en-US"/>
               <a:t>Edit Master text styles</a:t>
             </a:r>
           </a:p>
           <a:p>
             <a:pPr lvl="1"/>
             <a:r>
-              <a:rPr lang="en-US" smtClean="0"/>
+              <a:rPr lang="en-US"/>
               <a:t>Second level</a:t>
             </a:r>
           </a:p>
           <a:p>
             <a:pPr lvl="2"/>
             <a:r>
-              <a:rPr lang="en-US" smtClean="0"/>
+              <a:rPr lang="en-US"/>
               <a:t>Third level</a:t>
             </a:r>
           </a:p>
           <a:p>
             <a:pPr lvl="3"/>
             <a:r>
-              <a:rPr lang="en-US" smtClean="0"/>
+              <a:rPr lang="en-US"/>
               <a:t>Fourth level</a:t>
             </a:r>
           </a:p>
           <a:p>
             <a:pPr lvl="4"/>
             <a:r>
-              <a:rPr lang="en-US" smtClean="0"/>
+              <a:rPr lang="en-US"/>
               <a:t>Fifth level</a:t>
             </a:r>
-            <a:endParaRPr lang="en-US"/>
           </a:p>
         </p:txBody>
       </p:sp>
@@ -537,10 +536,9 @@
           <a:lstStyle/>
           <a:p>
             <a:r>
-              <a:rPr lang="en-US" smtClean="0"/>
+              <a:rPr lang="en-US"/>
               <a:t>Click to edit Master title style</a:t>
             </a:r>
-            <a:endParaRPr lang="en-US"/>
           </a:p>
         </p:txBody>
       </p:sp>
@@ -566,38 +564,37 @@
           <a:p>
             <a:pPr lvl="0"/>
             <a:r>
-              <a:rPr lang="en-US" smtClean="0"/>
+              <a:rPr lang="en-US"/>
               <a:t>Edit Master text styles</a:t>
             </a:r>
           </a:p>
           <a:p>
             <a:pPr lvl="1"/>
             <a:r>
-              <a:rPr lang="en-US" smtClean="0"/>
+              <a:rPr lang="en-US"/>
               <a:t>Second level</a:t>
             </a:r>
           </a:p>
           <a:p>
             <a:pPr lvl="2"/>
             <a:r>
-              <a:rPr lang="en-US" smtClean="0"/>
+              <a:rPr lang="en-US"/>
               <a:t>Third level</a:t>
             </a:r>
           </a:p>
           <a:p>
             <a:pPr lvl="3"/>
             <a:r>
-              <a:rPr lang="en-US" smtClean="0"/>
+              <a:rPr lang="en-US"/>
               <a:t>Fourth level</a:t>
             </a:r>
           </a:p>
           <a:p>
             <a:pPr lvl="4"/>
             <a:r>
-              <a:rPr lang="en-US" smtClean="0"/>
+              <a:rPr lang="en-US"/>
               <a:t>Fifth level</a:t>
             </a:r>
-            <a:endParaRPr lang="en-US"/>
           </a:p>
         </p:txBody>
       </p:sp>
@@ -712,10 +709,9 @@
           <a:lstStyle/>
           <a:p>
             <a:r>
-              <a:rPr lang="en-US" smtClean="0"/>
+              <a:rPr lang="en-US"/>
               <a:t>Click to edit Master title style</a:t>
             </a:r>
-            <a:endParaRPr lang="en-US"/>
           </a:p>
         </p:txBody>
       </p:sp>
@@ -736,38 +732,37 @@
           <a:p>
             <a:pPr lvl="0"/>
             <a:r>
-              <a:rPr lang="en-US" smtClean="0"/>
+              <a:rPr lang="en-US"/>
               <a:t>Edit Master text styles</a:t>
             </a:r>
           </a:p>
           <a:p>
             <a:pPr lvl="1"/>
             <a:r>
-              <a:rPr lang="en-US" smtClean="0"/>
+              <a:rPr lang="en-US"/>
               <a:t>Second level</a:t>
             </a:r>
           </a:p>
           <a:p>
             <a:pPr lvl="2"/>
             <a:r>
-              <a:rPr lang="en-US" smtClean="0"/>
+              <a:rPr lang="en-US"/>
               <a:t>Third level</a:t>
             </a:r>
           </a:p>
           <a:p>
             <a:pPr lvl="3"/>
             <a:r>
-              <a:rPr lang="en-US" smtClean="0"/>
+              <a:rPr lang="en-US"/>
               <a:t>Fourth level</a:t>
             </a:r>
           </a:p>
           <a:p>
             <a:pPr lvl="4"/>
             <a:r>
-              <a:rPr lang="en-US" smtClean="0"/>
+              <a:rPr lang="en-US"/>
               <a:t>Fifth level</a:t>
             </a:r>
-            <a:endParaRPr lang="en-US"/>
           </a:p>
         </p:txBody>
       </p:sp>
@@ -891,10 +886,9 @@
           </a:lstStyle>
           <a:p>
             <a:r>
-              <a:rPr lang="en-US" smtClean="0"/>
+              <a:rPr lang="en-US"/>
               <a:t>Click to edit Master title style</a:t>
             </a:r>
-            <a:endParaRPr lang="en-US"/>
           </a:p>
         </p:txBody>
       </p:sp>
@@ -1011,7 +1005,7 @@
           <a:p>
             <a:pPr lvl="0"/>
             <a:r>
-              <a:rPr lang="en-US" smtClean="0"/>
+              <a:rPr lang="en-US"/>
               <a:t>Edit Master text styles</a:t>
             </a:r>
           </a:p>
@@ -1128,10 +1122,9 @@
           <a:lstStyle/>
           <a:p>
             <a:r>
-              <a:rPr lang="en-US" smtClean="0"/>
+              <a:rPr lang="en-US"/>
               <a:t>Click to edit Master title style</a:t>
             </a:r>
-            <a:endParaRPr lang="en-US"/>
           </a:p>
         </p:txBody>
       </p:sp>
@@ -1157,38 +1150,37 @@
           <a:p>
             <a:pPr lvl="0"/>
             <a:r>
-              <a:rPr lang="en-US" smtClean="0"/>
+              <a:rPr lang="en-US"/>
               <a:t>Edit Master text styles</a:t>
             </a:r>
           </a:p>
           <a:p>
             <a:pPr lvl="1"/>
             <a:r>
-              <a:rPr lang="en-US" smtClean="0"/>
+              <a:rPr lang="en-US"/>
               <a:t>Second level</a:t>
             </a:r>
           </a:p>
           <a:p>
             <a:pPr lvl="2"/>
             <a:r>
-              <a:rPr lang="en-US" smtClean="0"/>
+              <a:rPr lang="en-US"/>
               <a:t>Third level</a:t>
             </a:r>
           </a:p>
           <a:p>
             <a:pPr lvl="3"/>
             <a:r>
-              <a:rPr lang="en-US" smtClean="0"/>
+              <a:rPr lang="en-US"/>
               <a:t>Fourth level</a:t>
             </a:r>
           </a:p>
           <a:p>
             <a:pPr lvl="4"/>
             <a:r>
-              <a:rPr lang="en-US" smtClean="0"/>
+              <a:rPr lang="en-US"/>
               <a:t>Fifth level</a:t>
             </a:r>
-            <a:endParaRPr lang="en-US"/>
           </a:p>
         </p:txBody>
       </p:sp>
@@ -1214,38 +1206,37 @@
           <a:p>
             <a:pPr lvl="0"/>
             <a:r>
-              <a:rPr lang="en-US" smtClean="0"/>
+              <a:rPr lang="en-US"/>
               <a:t>Edit Master text styles</a:t>
             </a:r>
           </a:p>
           <a:p>
             <a:pPr lvl="1"/>
             <a:r>
-              <a:rPr lang="en-US" smtClean="0"/>
+              <a:rPr lang="en-US"/>
               <a:t>Second level</a:t>
             </a:r>
           </a:p>
           <a:p>
             <a:pPr lvl="2"/>
             <a:r>
-              <a:rPr lang="en-US" smtClean="0"/>
+              <a:rPr lang="en-US"/>
               <a:t>Third level</a:t>
             </a:r>
           </a:p>
           <a:p>
             <a:pPr lvl="3"/>
             <a:r>
-              <a:rPr lang="en-US" smtClean="0"/>
+              <a:rPr lang="en-US"/>
               <a:t>Fourth level</a:t>
             </a:r>
           </a:p>
           <a:p>
             <a:pPr lvl="4"/>
             <a:r>
-              <a:rPr lang="en-US" smtClean="0"/>
+              <a:rPr lang="en-US"/>
               <a:t>Fifth level</a:t>
             </a:r>
-            <a:endParaRPr lang="en-US"/>
           </a:p>
         </p:txBody>
       </p:sp>
@@ -1365,10 +1356,9 @@
           <a:lstStyle/>
           <a:p>
             <a:r>
-              <a:rPr lang="en-US" smtClean="0"/>
+              <a:rPr lang="en-US"/>
               <a:t>Click to edit Master title style</a:t>
             </a:r>
-            <a:endParaRPr lang="en-US"/>
           </a:p>
         </p:txBody>
       </p:sp>
@@ -1431,7 +1421,7 @@
           <a:p>
             <a:pPr lvl="0"/>
             <a:r>
-              <a:rPr lang="en-US" smtClean="0"/>
+              <a:rPr lang="en-US"/>
               <a:t>Edit Master text styles</a:t>
             </a:r>
           </a:p>
@@ -1459,38 +1449,37 @@
           <a:p>
             <a:pPr lvl="0"/>
             <a:r>
-              <a:rPr lang="en-US" smtClean="0"/>
+              <a:rPr lang="en-US"/>
               <a:t>Edit Master text styles</a:t>
             </a:r>
           </a:p>
           <a:p>
             <a:pPr lvl="1"/>
             <a:r>
-              <a:rPr lang="en-US" smtClean="0"/>
+              <a:rPr lang="en-US"/>
               <a:t>Second level</a:t>
             </a:r>
           </a:p>
           <a:p>
             <a:pPr lvl="2"/>
             <a:r>
-              <a:rPr lang="en-US" smtClean="0"/>
+              <a:rPr lang="en-US"/>
               <a:t>Third level</a:t>
             </a:r>
           </a:p>
           <a:p>
             <a:pPr lvl="3"/>
             <a:r>
-              <a:rPr lang="en-US" smtClean="0"/>
+              <a:rPr lang="en-US"/>
               <a:t>Fourth level</a:t>
             </a:r>
           </a:p>
           <a:p>
             <a:pPr lvl="4"/>
             <a:r>
-              <a:rPr lang="en-US" smtClean="0"/>
+              <a:rPr lang="en-US"/>
               <a:t>Fifth level</a:t>
             </a:r>
-            <a:endParaRPr lang="en-US"/>
           </a:p>
         </p:txBody>
       </p:sp>
@@ -1553,7 +1542,7 @@
           <a:p>
             <a:pPr lvl="0"/>
             <a:r>
-              <a:rPr lang="en-US" smtClean="0"/>
+              <a:rPr lang="en-US"/>
               <a:t>Edit Master text styles</a:t>
             </a:r>
           </a:p>
@@ -1581,38 +1570,37 @@
           <a:p>
             <a:pPr lvl="0"/>
             <a:r>
-              <a:rPr lang="en-US" smtClean="0"/>
+              <a:rPr lang="en-US"/>
               <a:t>Edit Master text styles</a:t>
             </a:r>
           </a:p>
           <a:p>
             <a:pPr lvl="1"/>
             <a:r>
-              <a:rPr lang="en-US" smtClean="0"/>
+              <a:rPr lang="en-US"/>
               <a:t>Second level</a:t>
             </a:r>
           </a:p>
           <a:p>
             <a:pPr lvl="2"/>
             <a:r>
-              <a:rPr lang="en-US" smtClean="0"/>
+              <a:rPr lang="en-US"/>
               <a:t>Third level</a:t>
             </a:r>
           </a:p>
           <a:p>
             <a:pPr lvl="3"/>
             <a:r>
-              <a:rPr lang="en-US" smtClean="0"/>
+              <a:rPr lang="en-US"/>
               <a:t>Fourth level</a:t>
             </a:r>
           </a:p>
           <a:p>
             <a:pPr lvl="4"/>
             <a:r>
-              <a:rPr lang="en-US" smtClean="0"/>
+              <a:rPr lang="en-US"/>
               <a:t>Fifth level</a:t>
             </a:r>
-            <a:endParaRPr lang="en-US"/>
           </a:p>
         </p:txBody>
       </p:sp>
@@ -1727,10 +1715,9 @@
           <a:lstStyle/>
           <a:p>
             <a:r>
-              <a:rPr lang="en-US" smtClean="0"/>
+              <a:rPr lang="en-US"/>
               <a:t>Click to edit Master title style</a:t>
             </a:r>
-            <a:endParaRPr lang="en-US"/>
           </a:p>
         </p:txBody>
       </p:sp>
@@ -1949,10 +1936,9 @@
           </a:lstStyle>
           <a:p>
             <a:r>
-              <a:rPr lang="en-US" smtClean="0"/>
+              <a:rPr lang="en-US"/>
               <a:t>Click to edit Master title style</a:t>
             </a:r>
-            <a:endParaRPr lang="en-US"/>
           </a:p>
         </p:txBody>
       </p:sp>
@@ -2006,38 +1992,37 @@
           <a:p>
             <a:pPr lvl="0"/>
             <a:r>
-              <a:rPr lang="en-US" smtClean="0"/>
+              <a:rPr lang="en-US"/>
               <a:t>Edit Master text styles</a:t>
             </a:r>
           </a:p>
           <a:p>
             <a:pPr lvl="1"/>
             <a:r>
-              <a:rPr lang="en-US" smtClean="0"/>
+              <a:rPr lang="en-US"/>
               <a:t>Second level</a:t>
             </a:r>
           </a:p>
           <a:p>
             <a:pPr lvl="2"/>
             <a:r>
-              <a:rPr lang="en-US" smtClean="0"/>
+              <a:rPr lang="en-US"/>
               <a:t>Third level</a:t>
             </a:r>
           </a:p>
           <a:p>
             <a:pPr lvl="3"/>
             <a:r>
-              <a:rPr lang="en-US" smtClean="0"/>
+              <a:rPr lang="en-US"/>
               <a:t>Fourth level</a:t>
             </a:r>
           </a:p>
           <a:p>
             <a:pPr lvl="4"/>
             <a:r>
-              <a:rPr lang="en-US" smtClean="0"/>
+              <a:rPr lang="en-US"/>
               <a:t>Fifth level</a:t>
             </a:r>
-            <a:endParaRPr lang="en-US"/>
           </a:p>
         </p:txBody>
       </p:sp>
@@ -2100,7 +2085,7 @@
           <a:p>
             <a:pPr lvl="0"/>
             <a:r>
-              <a:rPr lang="en-US" smtClean="0"/>
+              <a:rPr lang="en-US"/>
               <a:t>Edit Master text styles</a:t>
             </a:r>
           </a:p>
@@ -2226,10 +2211,9 @@
           </a:lstStyle>
           <a:p>
             <a:r>
-              <a:rPr lang="en-US" smtClean="0"/>
+              <a:rPr lang="en-US"/>
               <a:t>Click to edit Master title style</a:t>
             </a:r>
-            <a:endParaRPr lang="en-US"/>
           </a:p>
         </p:txBody>
       </p:sp>
@@ -2353,7 +2337,7 @@
           <a:p>
             <a:pPr lvl="0"/>
             <a:r>
-              <a:rPr lang="en-US" smtClean="0"/>
+              <a:rPr lang="en-US"/>
               <a:t>Edit Master text styles</a:t>
             </a:r>
           </a:p>
@@ -2485,10 +2469,9 @@
           <a:lstStyle/>
           <a:p>
             <a:r>
-              <a:rPr lang="en-US" smtClean="0"/>
+              <a:rPr lang="en-US"/>
               <a:t>Click to edit Master title style</a:t>
             </a:r>
-            <a:endParaRPr lang="en-US"/>
           </a:p>
         </p:txBody>
       </p:sp>
@@ -2519,38 +2502,37 @@
           <a:p>
             <a:pPr lvl="0"/>
             <a:r>
-              <a:rPr lang="en-US" smtClean="0"/>
+              <a:rPr lang="en-US"/>
               <a:t>Edit Master text styles</a:t>
             </a:r>
           </a:p>
           <a:p>
             <a:pPr lvl="1"/>
             <a:r>
-              <a:rPr lang="en-US" smtClean="0"/>
+              <a:rPr lang="en-US"/>
               <a:t>Second level</a:t>
             </a:r>
           </a:p>
           <a:p>
             <a:pPr lvl="2"/>
             <a:r>
-              <a:rPr lang="en-US" smtClean="0"/>
+              <a:rPr lang="en-US"/>
               <a:t>Third level</a:t>
             </a:r>
           </a:p>
           <a:p>
             <a:pPr lvl="3"/>
             <a:r>
-              <a:rPr lang="en-US" smtClean="0"/>
+              <a:rPr lang="en-US"/>
               <a:t>Fourth level</a:t>
             </a:r>
           </a:p>
           <a:p>
             <a:pPr lvl="4"/>
             <a:r>
-              <a:rPr lang="en-US" smtClean="0"/>
+              <a:rPr lang="en-US"/>
               <a:t>Fifth level</a:t>
             </a:r>
-            <a:endParaRPr lang="en-US"/>
           </a:p>
         </p:txBody>
       </p:sp>
@@ -3046,13 +3028,6 @@
   <p:clrMapOvr>
     <a:masterClrMapping/>
   </p:clrMapOvr>
-  <p:timing>
-    <p:tnLst>
-      <p:par>
-        <p:cTn id="1" dur="indefinite" restart="never" nodeType="tmRoot"/>
-      </p:par>
-    </p:tnLst>
-  </p:timing>
 </p:sld>
 </file>
 
@@ -3150,13 +3125,6 @@
   <p:clrMapOvr>
     <a:masterClrMapping/>
   </p:clrMapOvr>
-  <p:timing>
-    <p:tnLst>
-      <p:par>
-        <p:cTn id="1" dur="indefinite" restart="never" nodeType="tmRoot"/>
-      </p:par>
-    </p:tnLst>
-  </p:timing>
 </p:sld>
 </file>
 
@@ -4063,13 +4031,6 @@
   <p:clrMapOvr>
     <a:masterClrMapping/>
   </p:clrMapOvr>
-  <p:timing>
-    <p:tnLst>
-      <p:par>
-        <p:cTn id="1" dur="indefinite" restart="never" nodeType="tmRoot"/>
-      </p:par>
-    </p:tnLst>
-  </p:timing>
 </p:sld>
 </file>
 
@@ -4824,7 +4785,7 @@
           <a:lstStyle/>
           <a:p>
             <a:r>
-              <a:t>Breadth-First Search (BFS)</a:t>
+              <a:t>Example of BFS</a:t>
             </a:r>
           </a:p>
         </p:txBody>
@@ -4845,32 +4806,17 @@
           <a:lstStyle/>
           <a:p>
             <a:r>
-              <a:t>BFS expands the shallowest (closest) nodes first.</a:t>
-            </a:r>
-          </a:p>
-          <a:p>
-            <a:r>
-              <a:t>Explores level by level in the search tree.</a:t>
-            </a:r>
-          </a:p>
-          <a:p>
-            <a:r>
-              <a:t>Properties:</a:t>
-            </a:r>
-          </a:p>
-          <a:p>
-            <a:r>
-              <a:t>Complete: ✅ If a solution exists, BFS will find it.</a:t>
-            </a:r>
-          </a:p>
-          <a:p>
-            <a:r>
-              <a:t>Optimal: ✅ Finds the shortest path (if step cost = 1).</a:t>
-            </a:r>
-          </a:p>
-          <a:p>
-            <a:r>
-              <a:t>Cons: ❌ Uses a lot of memory (stores all nodes at a level).</a:t>
+              <a:t>Example: Looking for the nearest coffee shop in a new city:</a:t>
+            </a:r>
+          </a:p>
+          <a:p>
+            <a:r>
+              <a:t>First check all shops 1 block away → If not found, check 2 blocks away → Continue outward until found.</a:t>
+            </a:r>
+          </a:p>
+          <a:p>
+            <a:r>
+              <a:t>Analogy: Like waves spreading in water — BFS explores outward equally in all directions.</a:t>
             </a:r>
           </a:p>
         </p:txBody>
@@ -4878,7 +4824,7 @@
     </p:spTree>
     <p:extLst>
       <p:ext uri="{BB962C8B-B14F-4D97-AF65-F5344CB8AC3E}">
-        <p14:creationId xmlns:p14="http://schemas.microsoft.com/office/powerpoint/2010/main" val="1607401707"/>
+        <p14:creationId xmlns:p14="http://schemas.microsoft.com/office/powerpoint/2010/main" val="3453209637"/>
       </p:ext>
     </p:extLst>
   </p:cSld>
@@ -4921,7 +4867,7 @@
           <a:lstStyle/>
           <a:p>
             <a:r>
-              <a:t>Example of BFS</a:t>
+              <a:t>Key Takeaways</a:t>
             </a:r>
           </a:p>
         </p:txBody>
@@ -4942,17 +4888,22 @@
           <a:lstStyle/>
           <a:p>
             <a:r>
-              <a:t>Example: Looking for the nearest coffee shop in a new city:</a:t>
-            </a:r>
-          </a:p>
-          <a:p>
-            <a:r>
-              <a:t>First check all shops 1 block away → If not found, check 2 blocks away → Continue outward until found.</a:t>
-            </a:r>
-          </a:p>
-          <a:p>
-            <a:r>
-              <a:t>Analogy: Like waves spreading in water — BFS explores outward equally in all directions.</a:t>
+              <a:t>Problem formulation = define states, actions, transitions, goal, and cost.</a:t>
+            </a:r>
+          </a:p>
+          <a:p>
+            <a:r>
+              <a:t>Search space = all possible states (nodes in a tree/graph).</a:t>
+            </a:r>
+          </a:p>
+          <a:p>
+            <a:r>
+              <a:t>Uninformed search = no hints (BFS, DFS).</a:t>
+            </a:r>
+          </a:p>
+          <a:p>
+            <a:r>
+              <a:t>BFS = complete + optimal, but memory expensive.</a:t>
             </a:r>
           </a:p>
         </p:txBody>
@@ -4960,7 +4911,7 @@
     </p:spTree>
     <p:extLst>
       <p:ext uri="{BB962C8B-B14F-4D97-AF65-F5344CB8AC3E}">
-        <p14:creationId xmlns:p14="http://schemas.microsoft.com/office/powerpoint/2010/main" val="3453209637"/>
+        <p14:creationId xmlns:p14="http://schemas.microsoft.com/office/powerpoint/2010/main" val="1677787174"/>
       </p:ext>
     </p:extLst>
   </p:cSld>
@@ -5044,202 +4995,6 @@
   <p:clrMapOvr>
     <a:masterClrMapping/>
   </p:clrMapOvr>
-  <p:timing>
-    <p:tnLst>
-      <p:par>
-        <p:cTn id="1" dur="indefinite" restart="never" nodeType="tmRoot"/>
-      </p:par>
-    </p:tnLst>
-  </p:timing>
-</p:sld>
-</file>
-
-<file path=ppt/slides/slide30.xml><?xml version="1.0" encoding="utf-8"?>
-<p:sld xmlns:a="http://schemas.openxmlformats.org/drawingml/2006/main" xmlns:r="http://schemas.openxmlformats.org/officeDocument/2006/relationships" xmlns:p="http://schemas.openxmlformats.org/presentationml/2006/main">
-  <p:cSld>
-    <p:spTree>
-      <p:nvGrpSpPr>
-        <p:cNvPr id="1" name=""/>
-        <p:cNvGrpSpPr/>
-        <p:nvPr/>
-      </p:nvGrpSpPr>
-      <p:grpSpPr>
-        <a:xfrm>
-          <a:off x="0" y="0"/>
-          <a:ext cx="0" cy="0"/>
-          <a:chOff x="0" y="0"/>
-          <a:chExt cx="0" cy="0"/>
-        </a:xfrm>
-      </p:grpSpPr>
-      <p:sp>
-        <p:nvSpPr>
-          <p:cNvPr id="2" name="Title 1"/>
-          <p:cNvSpPr>
-            <a:spLocks noGrp="1"/>
-          </p:cNvSpPr>
-          <p:nvPr>
-            <p:ph type="title"/>
-          </p:nvPr>
-        </p:nvSpPr>
-        <p:spPr/>
-        <p:txBody>
-          <a:bodyPr/>
-          <a:lstStyle/>
-          <a:p>
-            <a:r>
-              <a:t>BFS vs DFS Comparison</a:t>
-            </a:r>
-          </a:p>
-        </p:txBody>
-      </p:sp>
-      <p:sp>
-        <p:nvSpPr>
-          <p:cNvPr id="3" name="Content Placeholder 2"/>
-          <p:cNvSpPr>
-            <a:spLocks noGrp="1"/>
-          </p:cNvSpPr>
-          <p:nvPr>
-            <p:ph idx="1"/>
-          </p:nvPr>
-        </p:nvSpPr>
-        <p:spPr/>
-        <p:txBody>
-          <a:bodyPr/>
-          <a:lstStyle/>
-          <a:p>
-            <a:r>
-              <a:t>Property               | BFS                    | DFS</a:t>
-            </a:r>
-          </a:p>
-          <a:p>
-            <a:r>
-              <a:t>-----------------------|------------------------|------------------------</a:t>
-            </a:r>
-          </a:p>
-          <a:p>
-            <a:r>
-              <a:t>Strategy               | Explore level by level  | Explore one path deep</a:t>
-            </a:r>
-          </a:p>
-          <a:p>
-            <a:r>
-              <a:t>Memory                 | High (many nodes)       | Low (just path stack)</a:t>
-            </a:r>
-          </a:p>
-          <a:p>
-            <a:r>
-              <a:t>Completeness           | ✅ Yes                  | ❌ Not always</a:t>
-            </a:r>
-          </a:p>
-          <a:p>
-            <a:r>
-              <a:t>Optimality             | ✅ Yes (shortest path)  | ❌ Not always</a:t>
-            </a:r>
-          </a:p>
-          <a:p>
-            <a:r>
-              <a:t>Analogy                | Checking nearby classrooms | Going into one building’s basement</a:t>
-            </a:r>
-          </a:p>
-        </p:txBody>
-      </p:sp>
-    </p:spTree>
-    <p:extLst>
-      <p:ext uri="{BB962C8B-B14F-4D97-AF65-F5344CB8AC3E}">
-        <p14:creationId xmlns:p14="http://schemas.microsoft.com/office/powerpoint/2010/main" val="3183613473"/>
-      </p:ext>
-    </p:extLst>
-  </p:cSld>
-  <p:clrMapOvr>
-    <a:masterClrMapping/>
-  </p:clrMapOvr>
-</p:sld>
-</file>
-
-<file path=ppt/slides/slide31.xml><?xml version="1.0" encoding="utf-8"?>
-<p:sld xmlns:a="http://schemas.openxmlformats.org/drawingml/2006/main" xmlns:r="http://schemas.openxmlformats.org/officeDocument/2006/relationships" xmlns:p="http://schemas.openxmlformats.org/presentationml/2006/main">
-  <p:cSld>
-    <p:spTree>
-      <p:nvGrpSpPr>
-        <p:cNvPr id="1" name=""/>
-        <p:cNvGrpSpPr/>
-        <p:nvPr/>
-      </p:nvGrpSpPr>
-      <p:grpSpPr>
-        <a:xfrm>
-          <a:off x="0" y="0"/>
-          <a:ext cx="0" cy="0"/>
-          <a:chOff x="0" y="0"/>
-          <a:chExt cx="0" cy="0"/>
-        </a:xfrm>
-      </p:grpSpPr>
-      <p:sp>
-        <p:nvSpPr>
-          <p:cNvPr id="2" name="Title 1"/>
-          <p:cNvSpPr>
-            <a:spLocks noGrp="1"/>
-          </p:cNvSpPr>
-          <p:nvPr>
-            <p:ph type="title"/>
-          </p:nvPr>
-        </p:nvSpPr>
-        <p:spPr/>
-        <p:txBody>
-          <a:bodyPr/>
-          <a:lstStyle/>
-          <a:p>
-            <a:r>
-              <a:t>Key Takeaways</a:t>
-            </a:r>
-          </a:p>
-        </p:txBody>
-      </p:sp>
-      <p:sp>
-        <p:nvSpPr>
-          <p:cNvPr id="3" name="Content Placeholder 2"/>
-          <p:cNvSpPr>
-            <a:spLocks noGrp="1"/>
-          </p:cNvSpPr>
-          <p:nvPr>
-            <p:ph idx="1"/>
-          </p:nvPr>
-        </p:nvSpPr>
-        <p:spPr/>
-        <p:txBody>
-          <a:bodyPr/>
-          <a:lstStyle/>
-          <a:p>
-            <a:r>
-              <a:t>Problem formulation = define states, actions, transitions, goal, and cost.</a:t>
-            </a:r>
-          </a:p>
-          <a:p>
-            <a:r>
-              <a:t>Search space = all possible states (nodes in a tree/graph).</a:t>
-            </a:r>
-          </a:p>
-          <a:p>
-            <a:r>
-              <a:t>Uninformed search = no hints (BFS, DFS).</a:t>
-            </a:r>
-          </a:p>
-          <a:p>
-            <a:r>
-              <a:t>BFS = complete + optimal, but memory expensive.</a:t>
-            </a:r>
-          </a:p>
-        </p:txBody>
-      </p:sp>
-    </p:spTree>
-    <p:extLst>
-      <p:ext uri="{BB962C8B-B14F-4D97-AF65-F5344CB8AC3E}">
-        <p14:creationId xmlns:p14="http://schemas.microsoft.com/office/powerpoint/2010/main" val="1677787174"/>
-      </p:ext>
-    </p:extLst>
-  </p:cSld>
-  <p:clrMapOvr>
-    <a:masterClrMapping/>
-  </p:clrMapOvr>
 </p:sld>
 </file>
 
@@ -5317,13 +5072,6 @@
   <p:clrMapOvr>
     <a:masterClrMapping/>
   </p:clrMapOvr>
-  <p:timing>
-    <p:tnLst>
-      <p:par>
-        <p:cTn id="1" dur="indefinite" restart="never" nodeType="tmRoot"/>
-      </p:par>
-    </p:tnLst>
-  </p:timing>
 </p:sld>
 </file>
 
@@ -5401,13 +5149,6 @@
   <p:clrMapOvr>
     <a:masterClrMapping/>
   </p:clrMapOvr>
-  <p:timing>
-    <p:tnLst>
-      <p:par>
-        <p:cTn id="1" dur="indefinite" restart="never" nodeType="tmRoot"/>
-      </p:par>
-    </p:tnLst>
-  </p:timing>
 </p:sld>
 </file>
 
@@ -5485,13 +5226,6 @@
   <p:clrMapOvr>
     <a:masterClrMapping/>
   </p:clrMapOvr>
-  <p:timing>
-    <p:tnLst>
-      <p:par>
-        <p:cTn id="1" dur="indefinite" restart="never" nodeType="tmRoot"/>
-      </p:par>
-    </p:tnLst>
-  </p:timing>
 </p:sld>
 </file>
 
@@ -5579,13 +5313,6 @@
   <p:clrMapOvr>
     <a:masterClrMapping/>
   </p:clrMapOvr>
-  <p:timing>
-    <p:tnLst>
-      <p:par>
-        <p:cTn id="1" dur="indefinite" restart="never" nodeType="tmRoot"/>
-      </p:par>
-    </p:tnLst>
-  </p:timing>
 </p:sld>
 </file>
 
@@ -5697,13 +5424,6 @@
   <p:clrMapOvr>
     <a:masterClrMapping/>
   </p:clrMapOvr>
-  <p:timing>
-    <p:tnLst>
-      <p:par>
-        <p:cTn id="1" dur="indefinite" restart="never" nodeType="tmRoot"/>
-      </p:par>
-    </p:tnLst>
-  </p:timing>
 </p:sld>
 </file>
 
@@ -5740,7 +5460,7 @@
           <a:lstStyle/>
           <a:p>
             <a:r>
-              <a:rPr lang="en-US" dirty="0" smtClean="0"/>
+              <a:rPr lang="en-US" dirty="0"/>
               <a:t>Summary</a:t>
             </a:r>
             <a:endParaRPr dirty="0"/>
@@ -5788,13 +5508,6 @@
   <p:clrMapOvr>
     <a:masterClrMapping/>
   </p:clrMapOvr>
-  <p:timing>
-    <p:tnLst>
-      <p:par>
-        <p:cTn id="1" dur="indefinite" restart="never" nodeType="tmRoot"/>
-      </p:par>
-    </p:tnLst>
-  </p:timing>
 </p:sld>
 </file>
 
